--- a/security/SecurityDemo/SecurityDemo.pptx
+++ b/security/SecurityDemo/SecurityDemo.pptx
@@ -189,7 +189,7 @@
           <a:p>
             <a:fld id="{681EF29B-F0DE-4A5D-971E-F0D2D074F34E}" type="datetime4">
               <a:rPr lang="en-GB" smtClean="0"/>
-              <a:t>05 December 2023</a:t>
+              <a:t>12 December 2023</a:t>
             </a:fld>
             <a:endParaRPr lang="en-GB" sz="800" dirty="0"/>
           </a:p>
@@ -1241,7 +1241,7 @@
           <a:p>
             <a:fld id="{681EF29B-F0DE-4A5D-971E-F0D2D074F34E}" type="datetime4">
               <a:rPr lang="en-GB" smtClean="0"/>
-              <a:t>04 December 2023</a:t>
+              <a:t>12 December 2023</a:t>
             </a:fld>
             <a:endParaRPr lang="en-GB" sz="800" dirty="0"/>
           </a:p>
@@ -1597,12 +1597,7 @@
             <p:ph type="sldImg"/>
           </p:nvPr>
         </p:nvSpPr>
-        <p:spPr>
-          <a:xfrm>
-            <a:off x="360363" y="685800"/>
-            <a:ext cx="6137275" cy="3452813"/>
-          </a:xfrm>
-        </p:spPr>
+        <p:spPr/>
       </p:sp>
       <p:sp>
         <p:nvSpPr>
@@ -1619,88 +1614,7 @@
           <a:bodyPr/>
           <a:lstStyle/>
           <a:p>
-            <a:r>
-              <a:rPr lang="en-GB" dirty="0"/>
-              <a:t>Intro the demo website </a:t>
-            </a:r>
-          </a:p>
-          <a:p>
-            <a:r>
-              <a:rPr lang="en-GB" dirty="0"/>
-              <a:t>Front End only validation is never enough</a:t>
-            </a:r>
-            <a:r>
-              <a:rPr lang="zh-CN" altLang="en-US" dirty="0"/>
-              <a:t>： </a:t>
-            </a:r>
-            <a:r>
-              <a:rPr lang="en-US" altLang="zh-CN" dirty="0"/>
-              <a:t>Use postman to bypass the FE validation</a:t>
-            </a:r>
-            <a:endParaRPr lang="en-GB" dirty="0"/>
-          </a:p>
-          <a:p>
-            <a:r>
-              <a:rPr lang="en-GB" dirty="0"/>
-              <a:t>CSP:  &lt;</a:t>
-            </a:r>
-            <a:r>
-              <a:rPr lang="en-GB" dirty="0" err="1"/>
-              <a:t>img</a:t>
-            </a:r>
-            <a:r>
-              <a:rPr lang="en-GB" dirty="0"/>
-              <a:t> style="width:80px" </a:t>
-            </a:r>
-            <a:r>
-              <a:rPr lang="en-GB" dirty="0" err="1"/>
-              <a:t>src</a:t>
-            </a:r>
-            <a:r>
-              <a:rPr lang="en-GB" dirty="0"/>
-              <a:t>="https://fake.com/a.png" </a:t>
-            </a:r>
-            <a:r>
-              <a:rPr lang="en-GB" dirty="0" err="1"/>
-              <a:t>onerror</a:t>
-            </a:r>
-            <a:r>
-              <a:rPr lang="en-GB" dirty="0"/>
-              <a:t>="alert('XSS’)”&gt;   (</a:t>
-            </a:r>
-            <a:r>
-              <a:rPr lang="en-GB" dirty="0" err="1"/>
-              <a:t>csp</a:t>
-            </a:r>
-            <a:r>
-              <a:rPr lang="en-GB" dirty="0"/>
-              <a:t>, remove unsafe-inline for script-</a:t>
-            </a:r>
-            <a:r>
-              <a:rPr lang="en-GB" dirty="0" err="1"/>
-              <a:t>src</a:t>
-            </a:r>
-            <a:r>
-              <a:rPr lang="en-GB" dirty="0"/>
-              <a:t>)</a:t>
-            </a:r>
-          </a:p>
-          <a:p>
-            <a:r>
-              <a:rPr lang="en-GB" dirty="0"/>
-              <a:t>Client side validation + POST </a:t>
-            </a:r>
-            <a:r>
-              <a:rPr lang="en-US" altLang="zh-CN" dirty="0"/>
-              <a:t>man</a:t>
-            </a:r>
-          </a:p>
-          <a:p>
-            <a:r>
-              <a:rPr lang="en-US" dirty="0"/>
-              <a:t>CSRF</a:t>
-            </a:r>
-            <a:endParaRPr lang="en-GB" dirty="0"/>
+            <a:endParaRPr lang="en-US" dirty="0"/>
           </a:p>
         </p:txBody>
       </p:sp>
@@ -1722,16 +1636,16 @@
             <a:fld id="{A16CFAD1-D197-4A88-B173-A6412E995EE5}" type="slidenum">
               <a:rPr lang="en-GB" smtClean="0"/>
               <a:pPr/>
-              <a:t>5</a:t>
+              <a:t>4</a:t>
             </a:fld>
-            <a:endParaRPr lang="en-GB" sz="800" dirty="0"/>
+            <a:endParaRPr lang="en-GB" sz="800"/>
           </a:p>
         </p:txBody>
       </p:sp>
     </p:spTree>
     <p:extLst>
       <p:ext uri="{BB962C8B-B14F-4D97-AF65-F5344CB8AC3E}">
-        <p14:creationId xmlns:p14="http://schemas.microsoft.com/office/powerpoint/2010/main" val="3932077042"/>
+        <p14:creationId xmlns:p14="http://schemas.microsoft.com/office/powerpoint/2010/main" val="2493214087"/>
       </p:ext>
     </p:extLst>
   </p:cSld>
@@ -1790,50 +1704,7 @@
           <a:bodyPr/>
           <a:lstStyle/>
           <a:p>
-            <a:r>
-              <a:rPr lang="en-US" altLang="zh-CN" dirty="0"/>
-              <a:t>Use postman to bypass the FE validation</a:t>
-            </a:r>
-          </a:p>
-          <a:p>
-            <a:endParaRPr lang="en-US" dirty="0"/>
-          </a:p>
-          <a:p>
-            <a:endParaRPr lang="en-US" dirty="0"/>
-          </a:p>
-          <a:p>
-            <a:pPr marL="0" marR="0" lvl="0" indent="0" algn="l" defTabSz="914400" rtl="0" eaLnBrk="1" fontAlgn="auto" latinLnBrk="0" hangingPunct="1">
-              <a:lnSpc>
-                <a:spcPct val="100000"/>
-              </a:lnSpc>
-              <a:spcBef>
-                <a:spcPts val="0"/>
-              </a:spcBef>
-              <a:spcAft>
-                <a:spcPts val="0"/>
-              </a:spcAft>
-              <a:buClrTx/>
-              <a:buSzTx/>
-              <a:buFontTx/>
-              <a:buNone/>
-              <a:tabLst/>
-              <a:defRPr/>
-            </a:pPr>
-            <a:r>
-              <a:rPr lang="en-US" dirty="0"/>
-              <a:t>B</a:t>
-            </a:r>
-            <a:r>
-              <a:rPr lang="en-US" altLang="zh-CN" dirty="0"/>
-              <a:t>etter to add </a:t>
-            </a:r>
-            <a:r>
-              <a:rPr lang="en-GB" dirty="0"/>
-              <a:t>Client/Server side validations</a:t>
-            </a:r>
-          </a:p>
-          <a:p>
-            <a:endParaRPr lang="en-US" dirty="0"/>
+            <a:endParaRPr lang="en-GB" dirty="0"/>
           </a:p>
         </p:txBody>
       </p:sp>
@@ -1855,16 +1726,16 @@
             <a:fld id="{A16CFAD1-D197-4A88-B173-A6412E995EE5}" type="slidenum">
               <a:rPr lang="en-GB" smtClean="0"/>
               <a:pPr/>
-              <a:t>6</a:t>
+              <a:t>5</a:t>
             </a:fld>
-            <a:endParaRPr lang="en-GB" sz="800"/>
+            <a:endParaRPr lang="en-GB" sz="800" dirty="0"/>
           </a:p>
         </p:txBody>
       </p:sp>
     </p:spTree>
     <p:extLst>
       <p:ext uri="{BB962C8B-B14F-4D97-AF65-F5344CB8AC3E}">
-        <p14:creationId xmlns:p14="http://schemas.microsoft.com/office/powerpoint/2010/main" val="4155504819"/>
+        <p14:creationId xmlns:p14="http://schemas.microsoft.com/office/powerpoint/2010/main" val="3932077042"/>
       </p:ext>
     </p:extLst>
   </p:cSld>
@@ -1924,33 +1795,100 @@
           <a:lstStyle/>
           <a:p>
             <a:r>
+              <a:rPr lang="en-US" altLang="zh-CN" dirty="0"/>
+              <a:t>Use postman to bypass the FE validation</a:t>
+            </a:r>
+          </a:p>
+          <a:p>
+            <a:endParaRPr lang="en-US" altLang="zh-CN" dirty="0"/>
+          </a:p>
+          <a:p>
+            <a:r>
+              <a:rPr lang="en-US" altLang="zh-CN" dirty="0"/>
+              <a:t>We see the error in the console</a:t>
+            </a:r>
+          </a:p>
+          <a:p>
+            <a:endParaRPr lang="en-US" dirty="0"/>
+          </a:p>
+          <a:p>
+            <a:endParaRPr lang="en-US" dirty="0"/>
+          </a:p>
+          <a:p>
+            <a:pPr marL="0" marR="0" lvl="0" indent="0" algn="l" defTabSz="914400" rtl="0" eaLnBrk="1" fontAlgn="auto" latinLnBrk="0" hangingPunct="1">
+              <a:lnSpc>
+                <a:spcPct val="100000"/>
+              </a:lnSpc>
+              <a:spcBef>
+                <a:spcPts val="0"/>
+              </a:spcBef>
+              <a:spcAft>
+                <a:spcPts val="0"/>
+              </a:spcAft>
+              <a:buClrTx/>
+              <a:buSzTx/>
+              <a:buFontTx/>
+              <a:buNone/>
+              <a:tabLst/>
+              <a:defRPr/>
+            </a:pPr>
+            <a:r>
+              <a:rPr lang="en-US" dirty="0"/>
+              <a:t>B</a:t>
+            </a:r>
+            <a:r>
+              <a:rPr lang="en-US" altLang="zh-CN" dirty="0"/>
+              <a:t>etter to add </a:t>
+            </a:r>
+            <a:r>
               <a:rPr lang="en-GB" dirty="0"/>
-              <a:t>&lt;</a:t>
-            </a:r>
-            <a:r>
-              <a:rPr lang="en-GB" dirty="0" err="1"/>
-              <a:t>img</a:t>
-            </a:r>
-            <a:r>
-              <a:rPr lang="en-GB" dirty="0"/>
-              <a:t> style='width:80px' </a:t>
-            </a:r>
-            <a:r>
-              <a:rPr lang="en-GB" dirty="0" err="1"/>
-              <a:t>src</a:t>
-            </a:r>
-            <a:r>
-              <a:rPr lang="en-GB" dirty="0"/>
-              <a:t>='https://fake.com/a.png' </a:t>
-            </a:r>
-            <a:r>
-              <a:rPr lang="en-GB" dirty="0" err="1"/>
-              <a:t>onerror</a:t>
-            </a:r>
-            <a:r>
-              <a:rPr lang="en-GB" dirty="0"/>
-              <a:t>="alert('XSS')"&gt;</a:t>
-            </a:r>
+              <a:t>Client/Server side validations</a:t>
+            </a:r>
+          </a:p>
+          <a:p>
+            <a:pPr marL="0" marR="0" lvl="0" indent="0" algn="l" defTabSz="914400" rtl="0" eaLnBrk="1" fontAlgn="auto" latinLnBrk="0" hangingPunct="1">
+              <a:lnSpc>
+                <a:spcPct val="100000"/>
+              </a:lnSpc>
+              <a:spcBef>
+                <a:spcPts val="0"/>
+              </a:spcBef>
+              <a:spcAft>
+                <a:spcPts val="0"/>
+              </a:spcAft>
+              <a:buClrTx/>
+              <a:buSzTx/>
+              <a:buFontTx/>
+              <a:buNone/>
+              <a:tabLst/>
+              <a:defRPr/>
+            </a:pPr>
+            <a:endParaRPr lang="en-GB" dirty="0"/>
+          </a:p>
+          <a:p>
+            <a:pPr marL="0" marR="0" lvl="0" indent="0" algn="l" defTabSz="914400" rtl="0" eaLnBrk="1" fontAlgn="auto" latinLnBrk="0" hangingPunct="1">
+              <a:lnSpc>
+                <a:spcPct val="100000"/>
+              </a:lnSpc>
+              <a:spcBef>
+                <a:spcPts val="0"/>
+              </a:spcBef>
+              <a:spcAft>
+                <a:spcPts val="0"/>
+              </a:spcAft>
+              <a:buClrTx/>
+              <a:buSzTx/>
+              <a:buFontTx/>
+              <a:buNone/>
+              <a:tabLst/>
+              <a:defRPr/>
+            </a:pPr>
+            <a:endParaRPr lang="en-GB" dirty="0"/>
+          </a:p>
+          <a:p>
+            <a:endParaRPr lang="en-GB" dirty="0"/>
+          </a:p>
+          <a:p>
             <a:endParaRPr lang="en-US" dirty="0"/>
           </a:p>
         </p:txBody>
@@ -1973,7 +1911,7 @@
             <a:fld id="{A16CFAD1-D197-4A88-B173-A6412E995EE5}" type="slidenum">
               <a:rPr lang="en-GB" smtClean="0"/>
               <a:pPr/>
-              <a:t>7</a:t>
+              <a:t>6</a:t>
             </a:fld>
             <a:endParaRPr lang="en-GB" sz="800"/>
           </a:p>
@@ -1982,7 +1920,7 @@
     </p:spTree>
     <p:extLst>
       <p:ext uri="{BB962C8B-B14F-4D97-AF65-F5344CB8AC3E}">
-        <p14:creationId xmlns:p14="http://schemas.microsoft.com/office/powerpoint/2010/main" val="1781367056"/>
+        <p14:creationId xmlns:p14="http://schemas.microsoft.com/office/powerpoint/2010/main" val="4155504819"/>
       </p:ext>
     </p:extLst>
   </p:cSld>
@@ -2042,239 +1980,47 @@
           <a:lstStyle/>
           <a:p>
             <a:r>
-              <a:rPr lang="en-US" dirty="0"/>
-              <a:t>Now if I apply </a:t>
-            </a:r>
-            <a:r>
-              <a:rPr lang="en-US" dirty="0" err="1"/>
-              <a:t>csp</a:t>
-            </a:r>
-            <a:r>
-              <a:rPr lang="en-US" dirty="0"/>
-              <a:t> the alert will be prevented</a:t>
-            </a:r>
-          </a:p>
-          <a:p>
-            <a:endParaRPr lang="en-US" dirty="0"/>
-          </a:p>
-          <a:p>
-            <a:r>
-              <a:rPr lang="en-US" sz="1800" dirty="0">
-                <a:solidFill>
-                  <a:srgbClr val="000000"/>
-                </a:solidFill>
-                <a:latin typeface="Cascadia Mono" panose="020B0609020000020004" pitchFamily="49" charset="0"/>
-              </a:rPr>
-              <a:t> </a:t>
-            </a:r>
-            <a:r>
-              <a:rPr lang="en-US" sz="1800" dirty="0">
-                <a:solidFill>
-                  <a:srgbClr val="0000FF"/>
-                </a:solidFill>
-                <a:latin typeface="Cascadia Mono" panose="020B0609020000020004" pitchFamily="49" charset="0"/>
-              </a:rPr>
+              <a:rPr lang="en-GB" dirty="0"/>
+              <a:t>Try</a:t>
+            </a:r>
+          </a:p>
+          <a:p>
+            <a:endParaRPr lang="en-GB" dirty="0"/>
+          </a:p>
+          <a:p>
+            <a:r>
+              <a:rPr lang="en-GB" dirty="0"/>
               <a:t>&lt;</a:t>
             </a:r>
             <a:r>
-              <a:rPr lang="en-US" sz="1800" dirty="0">
-                <a:solidFill>
-                  <a:srgbClr val="800000"/>
-                </a:solidFill>
-                <a:latin typeface="Cascadia Mono" panose="020B0609020000020004" pitchFamily="49" charset="0"/>
-              </a:rPr>
-              <a:t>meta</a:t>
-            </a:r>
-            <a:r>
-              <a:rPr lang="en-US" sz="1800" dirty="0">
-                <a:solidFill>
-                  <a:srgbClr val="000000"/>
-                </a:solidFill>
-                <a:latin typeface="Cascadia Mono" panose="020B0609020000020004" pitchFamily="49" charset="0"/>
-              </a:rPr>
-              <a:t> </a:t>
-            </a:r>
-            <a:r>
-              <a:rPr lang="en-US" sz="1800" dirty="0">
-                <a:solidFill>
-                  <a:srgbClr val="FF0000"/>
-                </a:solidFill>
-                <a:latin typeface="Cascadia Mono" panose="020B0609020000020004" pitchFamily="49" charset="0"/>
-              </a:rPr>
-              <a:t>http-</a:t>
-            </a:r>
-            <a:r>
-              <a:rPr lang="en-US" sz="1800" dirty="0" err="1">
-                <a:solidFill>
-                  <a:srgbClr val="FF0000"/>
-                </a:solidFill>
-                <a:latin typeface="Cascadia Mono" panose="020B0609020000020004" pitchFamily="49" charset="0"/>
-              </a:rPr>
-              <a:t>equiv</a:t>
-            </a:r>
-            <a:r>
-              <a:rPr lang="en-US" sz="1800" dirty="0">
-                <a:solidFill>
-                  <a:srgbClr val="0000FF"/>
-                </a:solidFill>
-                <a:latin typeface="Cascadia Mono" panose="020B0609020000020004" pitchFamily="49" charset="0"/>
-              </a:rPr>
-              <a:t>="Content-Security-Policy"</a:t>
-            </a:r>
-            <a:r>
-              <a:rPr lang="en-US" sz="1800" dirty="0">
-                <a:solidFill>
-                  <a:srgbClr val="000000"/>
-                </a:solidFill>
-                <a:latin typeface="Cascadia Mono" panose="020B0609020000020004" pitchFamily="49" charset="0"/>
-              </a:rPr>
-              <a:t> </a:t>
-            </a:r>
-            <a:r>
-              <a:rPr lang="en-US" sz="1800" dirty="0">
-                <a:solidFill>
-                  <a:srgbClr val="FF0000"/>
-                </a:solidFill>
-                <a:latin typeface="Cascadia Mono" panose="020B0609020000020004" pitchFamily="49" charset="0"/>
-              </a:rPr>
-              <a:t>content</a:t>
-            </a:r>
-            <a:r>
-              <a:rPr lang="en-US" sz="1800" dirty="0">
-                <a:solidFill>
-                  <a:srgbClr val="0000FF"/>
-                </a:solidFill>
-                <a:latin typeface="Cascadia Mono" panose="020B0609020000020004" pitchFamily="49" charset="0"/>
-              </a:rPr>
-              <a:t>="default-</a:t>
-            </a:r>
-            <a:r>
-              <a:rPr lang="en-US" sz="1800" dirty="0" err="1">
-                <a:solidFill>
-                  <a:srgbClr val="0000FF"/>
-                </a:solidFill>
-                <a:latin typeface="Cascadia Mono" panose="020B0609020000020004" pitchFamily="49" charset="0"/>
-              </a:rPr>
+              <a:rPr lang="en-GB" dirty="0" err="1"/>
+              <a:t>img</a:t>
+            </a:r>
+            <a:r>
+              <a:rPr lang="en-GB" dirty="0"/>
+              <a:t> style="width:80px" </a:t>
+            </a:r>
+            <a:r>
+              <a:rPr lang="en-GB" dirty="0" err="1"/>
               <a:t>src</a:t>
             </a:r>
             <a:r>
-              <a:rPr lang="en-US" sz="1800" dirty="0">
-                <a:solidFill>
-                  <a:srgbClr val="0000FF"/>
-                </a:solidFill>
-                <a:latin typeface="Cascadia Mono" panose="020B0609020000020004" pitchFamily="49" charset="0"/>
-              </a:rPr>
-              <a:t> 'self';</a:t>
-            </a:r>
-            <a:r>
-              <a:rPr lang="en-US" sz="1800" dirty="0" err="1">
-                <a:solidFill>
-                  <a:srgbClr val="0000FF"/>
-                </a:solidFill>
-                <a:latin typeface="Cascadia Mono" panose="020B0609020000020004" pitchFamily="49" charset="0"/>
-              </a:rPr>
-              <a:t>sty</a:t>
-            </a:r>
-            <a:r>
-              <a:rPr lang="en-US" sz="1800" dirty="0">
-                <a:solidFill>
-                  <a:srgbClr val="0000FF"/>
-                </a:solidFill>
-                <a:latin typeface="Cascadia Mono" panose="020B0609020000020004" pitchFamily="49" charset="0"/>
-              </a:rPr>
-              <a:t>le-src 'self'  'unsafe-inline';img-src 'self' https://cdn.sanity.io;script-src 'self' 'unsafe-inline'”&gt;</a:t>
-            </a:r>
-          </a:p>
-          <a:p>
-            <a:endParaRPr lang="en-US" sz="1800" dirty="0">
-              <a:solidFill>
-                <a:srgbClr val="0000FF"/>
-              </a:solidFill>
-              <a:latin typeface="Cascadia Mono" panose="020B0609020000020004" pitchFamily="49" charset="0"/>
-            </a:endParaRPr>
-          </a:p>
-          <a:p>
-            <a:r>
-              <a:rPr lang="en-US" sz="1800" dirty="0">
-                <a:solidFill>
-                  <a:srgbClr val="0000FF"/>
-                </a:solidFill>
-                <a:latin typeface="Cascadia Mono" panose="020B0609020000020004" pitchFamily="49" charset="0"/>
-              </a:rPr>
-              <a:t>We should remove the support of ‘unsafe-inline’</a:t>
-            </a:r>
-          </a:p>
-          <a:p>
-            <a:endParaRPr lang="en-US" sz="1800" dirty="0">
-              <a:solidFill>
-                <a:srgbClr val="0000FF"/>
-              </a:solidFill>
-              <a:latin typeface="Cascadia Mono" panose="020B0609020000020004" pitchFamily="49" charset="0"/>
-            </a:endParaRPr>
-          </a:p>
-          <a:p>
-            <a:r>
-              <a:rPr lang="en-US" sz="1800" dirty="0">
-                <a:solidFill>
-                  <a:srgbClr val="0000FF"/>
-                </a:solidFill>
-                <a:latin typeface="Cascadia Mono" panose="020B0609020000020004" pitchFamily="49" charset="0"/>
-              </a:rPr>
-              <a:t>Worth the mention </a:t>
-            </a:r>
-            <a:r>
-              <a:rPr lang="en-US" sz="1800" dirty="0" err="1">
-                <a:solidFill>
-                  <a:srgbClr val="0000FF"/>
-                </a:solidFill>
-                <a:latin typeface="Cascadia Mono" panose="020B0609020000020004" pitchFamily="49" charset="0"/>
-              </a:rPr>
-              <a:t>gtm</a:t>
-            </a:r>
-            <a:r>
-              <a:rPr lang="en-US" sz="1800" dirty="0">
-                <a:solidFill>
-                  <a:srgbClr val="0000FF"/>
-                </a:solidFill>
-                <a:latin typeface="Cascadia Mono" panose="020B0609020000020004" pitchFamily="49" charset="0"/>
-              </a:rPr>
-              <a:t> here since it opens the door for injecting 3</a:t>
-            </a:r>
-            <a:r>
-              <a:rPr lang="en-US" sz="1800" baseline="30000" dirty="0">
-                <a:solidFill>
-                  <a:srgbClr val="0000FF"/>
-                </a:solidFill>
-                <a:latin typeface="Cascadia Mono" panose="020B0609020000020004" pitchFamily="49" charset="0"/>
-              </a:rPr>
-              <a:t>rd</a:t>
-            </a:r>
-            <a:r>
-              <a:rPr lang="en-US" sz="1800" dirty="0">
-                <a:solidFill>
-                  <a:srgbClr val="0000FF"/>
-                </a:solidFill>
-                <a:latin typeface="Cascadia Mono" panose="020B0609020000020004" pitchFamily="49" charset="0"/>
-              </a:rPr>
-              <a:t> party libraries. Better we put the relevant domains when we need to inject those 3</a:t>
-            </a:r>
-            <a:r>
-              <a:rPr lang="en-US" sz="1800" baseline="30000" dirty="0">
-                <a:solidFill>
-                  <a:srgbClr val="0000FF"/>
-                </a:solidFill>
-                <a:latin typeface="Cascadia Mono" panose="020B0609020000020004" pitchFamily="49" charset="0"/>
-              </a:rPr>
-              <a:t>rd</a:t>
-            </a:r>
-            <a:r>
-              <a:rPr lang="en-US" sz="1800" dirty="0">
-                <a:solidFill>
-                  <a:srgbClr val="0000FF"/>
-                </a:solidFill>
-                <a:latin typeface="Cascadia Mono" panose="020B0609020000020004" pitchFamily="49" charset="0"/>
-              </a:rPr>
-              <a:t> party tools</a:t>
+              <a:rPr lang="en-GB" dirty="0"/>
+              <a:t>="https://fake.com/a.png" </a:t>
+            </a:r>
+            <a:r>
+              <a:rPr lang="en-GB" dirty="0" err="1"/>
+              <a:t>onerror</a:t>
+            </a:r>
+            <a:r>
+              <a:rPr lang="en-GB" dirty="0"/>
+              <a:t>="alert('XSS')" /&gt;</a:t>
+            </a:r>
+          </a:p>
+          <a:p>
+            <a:r>
+              <a:rPr lang="en-GB" dirty="0"/>
+              <a:t>We need to sanitize the content we use in front end</a:t>
             </a:r>
             <a:endParaRPr lang="en-US" dirty="0"/>
           </a:p>
@@ -2298,7 +2044,7 @@
             <a:fld id="{A16CFAD1-D197-4A88-B173-A6412E995EE5}" type="slidenum">
               <a:rPr lang="en-GB" smtClean="0"/>
               <a:pPr/>
-              <a:t>8</a:t>
+              <a:t>7</a:t>
             </a:fld>
             <a:endParaRPr lang="en-GB" sz="800"/>
           </a:p>
@@ -2307,7 +2053,7 @@
     </p:spTree>
     <p:extLst>
       <p:ext uri="{BB962C8B-B14F-4D97-AF65-F5344CB8AC3E}">
-        <p14:creationId xmlns:p14="http://schemas.microsoft.com/office/powerpoint/2010/main" val="1168469827"/>
+        <p14:creationId xmlns:p14="http://schemas.microsoft.com/office/powerpoint/2010/main" val="1781367056"/>
       </p:ext>
     </p:extLst>
   </p:cSld>
@@ -2366,6 +2112,362 @@
           <a:bodyPr/>
           <a:lstStyle/>
           <a:p>
+            <a:r>
+              <a:rPr lang="en-GB" dirty="0"/>
+              <a:t>CSP:  &lt;</a:t>
+            </a:r>
+            <a:r>
+              <a:rPr lang="en-GB" dirty="0" err="1"/>
+              <a:t>img</a:t>
+            </a:r>
+            <a:r>
+              <a:rPr lang="en-GB" dirty="0"/>
+              <a:t> style="width:80px" </a:t>
+            </a:r>
+            <a:r>
+              <a:rPr lang="en-GB" dirty="0" err="1"/>
+              <a:t>src</a:t>
+            </a:r>
+            <a:r>
+              <a:rPr lang="en-GB" dirty="0"/>
+              <a:t>="https://fake.com/a.png" </a:t>
+            </a:r>
+            <a:r>
+              <a:rPr lang="en-GB" dirty="0" err="1"/>
+              <a:t>onerror</a:t>
+            </a:r>
+            <a:r>
+              <a:rPr lang="en-GB" dirty="0"/>
+              <a:t>="alert('XSS')" /&gt; (</a:t>
+            </a:r>
+            <a:r>
+              <a:rPr lang="en-GB" dirty="0" err="1"/>
+              <a:t>csp</a:t>
+            </a:r>
+            <a:r>
+              <a:rPr lang="en-GB" dirty="0"/>
+              <a:t>, remove unsafe-inline for script-</a:t>
+            </a:r>
+            <a:r>
+              <a:rPr lang="en-GB" dirty="0" err="1"/>
+              <a:t>src</a:t>
+            </a:r>
+            <a:r>
+              <a:rPr lang="en-GB" dirty="0"/>
+              <a:t>)</a:t>
+            </a:r>
+          </a:p>
+          <a:p>
+            <a:r>
+              <a:rPr lang="en-GB" dirty="0"/>
+              <a:t>Client side validation + POST </a:t>
+            </a:r>
+            <a:r>
+              <a:rPr lang="en-US" altLang="zh-CN" dirty="0"/>
+              <a:t>man</a:t>
+            </a:r>
+          </a:p>
+          <a:p>
+            <a:endParaRPr lang="en-US" dirty="0"/>
+          </a:p>
+          <a:p>
+            <a:endParaRPr lang="en-US" dirty="0"/>
+          </a:p>
+          <a:p>
+            <a:r>
+              <a:rPr lang="en-US" dirty="0"/>
+              <a:t>Now if I apply </a:t>
+            </a:r>
+            <a:r>
+              <a:rPr lang="en-US" dirty="0" err="1"/>
+              <a:t>csp</a:t>
+            </a:r>
+            <a:r>
+              <a:rPr lang="en-US" dirty="0"/>
+              <a:t> the alert will </a:t>
+            </a:r>
+            <a:r>
+              <a:rPr lang="en-US"/>
+              <a:t>be prevented</a:t>
+            </a:r>
+            <a:endParaRPr lang="en-US" dirty="0"/>
+          </a:p>
+          <a:p>
+            <a:endParaRPr lang="en-US" dirty="0"/>
+          </a:p>
+          <a:p>
+            <a:r>
+              <a:rPr lang="en-US" sz="1800" dirty="0">
+                <a:solidFill>
+                  <a:srgbClr val="000000"/>
+                </a:solidFill>
+                <a:latin typeface="Cascadia Mono" panose="020B0609020000020004" pitchFamily="49" charset="0"/>
+              </a:rPr>
+              <a:t> </a:t>
+            </a:r>
+            <a:r>
+              <a:rPr lang="en-US" sz="1800" dirty="0">
+                <a:solidFill>
+                  <a:srgbClr val="0000FF"/>
+                </a:solidFill>
+                <a:latin typeface="Cascadia Mono" panose="020B0609020000020004" pitchFamily="49" charset="0"/>
+              </a:rPr>
+              <a:t>&lt;</a:t>
+            </a:r>
+            <a:r>
+              <a:rPr lang="en-US" sz="1800" dirty="0">
+                <a:solidFill>
+                  <a:srgbClr val="800000"/>
+                </a:solidFill>
+                <a:latin typeface="Cascadia Mono" panose="020B0609020000020004" pitchFamily="49" charset="0"/>
+              </a:rPr>
+              <a:t>meta</a:t>
+            </a:r>
+            <a:r>
+              <a:rPr lang="en-US" sz="1800" dirty="0">
+                <a:solidFill>
+                  <a:srgbClr val="000000"/>
+                </a:solidFill>
+                <a:latin typeface="Cascadia Mono" panose="020B0609020000020004" pitchFamily="49" charset="0"/>
+              </a:rPr>
+              <a:t> </a:t>
+            </a:r>
+            <a:r>
+              <a:rPr lang="en-US" sz="1800" dirty="0">
+                <a:solidFill>
+                  <a:srgbClr val="FF0000"/>
+                </a:solidFill>
+                <a:latin typeface="Cascadia Mono" panose="020B0609020000020004" pitchFamily="49" charset="0"/>
+              </a:rPr>
+              <a:t>http-</a:t>
+            </a:r>
+            <a:r>
+              <a:rPr lang="en-US" sz="1800" dirty="0" err="1">
+                <a:solidFill>
+                  <a:srgbClr val="FF0000"/>
+                </a:solidFill>
+                <a:latin typeface="Cascadia Mono" panose="020B0609020000020004" pitchFamily="49" charset="0"/>
+              </a:rPr>
+              <a:t>equiv</a:t>
+            </a:r>
+            <a:r>
+              <a:rPr lang="en-US" sz="1800" dirty="0">
+                <a:solidFill>
+                  <a:srgbClr val="0000FF"/>
+                </a:solidFill>
+                <a:latin typeface="Cascadia Mono" panose="020B0609020000020004" pitchFamily="49" charset="0"/>
+              </a:rPr>
+              <a:t>="Content-Security-Policy"</a:t>
+            </a:r>
+            <a:r>
+              <a:rPr lang="en-US" sz="1800" dirty="0">
+                <a:solidFill>
+                  <a:srgbClr val="000000"/>
+                </a:solidFill>
+                <a:latin typeface="Cascadia Mono" panose="020B0609020000020004" pitchFamily="49" charset="0"/>
+              </a:rPr>
+              <a:t> </a:t>
+            </a:r>
+            <a:r>
+              <a:rPr lang="en-US" sz="1800" dirty="0">
+                <a:solidFill>
+                  <a:srgbClr val="FF0000"/>
+                </a:solidFill>
+                <a:latin typeface="Cascadia Mono" panose="020B0609020000020004" pitchFamily="49" charset="0"/>
+              </a:rPr>
+              <a:t>content</a:t>
+            </a:r>
+            <a:r>
+              <a:rPr lang="en-US" sz="1800" dirty="0">
+                <a:solidFill>
+                  <a:srgbClr val="0000FF"/>
+                </a:solidFill>
+                <a:latin typeface="Cascadia Mono" panose="020B0609020000020004" pitchFamily="49" charset="0"/>
+              </a:rPr>
+              <a:t>="default-</a:t>
+            </a:r>
+            <a:r>
+              <a:rPr lang="en-US" sz="1800" dirty="0" err="1">
+                <a:solidFill>
+                  <a:srgbClr val="0000FF"/>
+                </a:solidFill>
+                <a:latin typeface="Cascadia Mono" panose="020B0609020000020004" pitchFamily="49" charset="0"/>
+              </a:rPr>
+              <a:t>src</a:t>
+            </a:r>
+            <a:r>
+              <a:rPr lang="en-US" sz="1800" dirty="0">
+                <a:solidFill>
+                  <a:srgbClr val="0000FF"/>
+                </a:solidFill>
+                <a:latin typeface="Cascadia Mono" panose="020B0609020000020004" pitchFamily="49" charset="0"/>
+              </a:rPr>
+              <a:t> 'self';</a:t>
+            </a:r>
+            <a:r>
+              <a:rPr lang="en-US" sz="1800" dirty="0" err="1">
+                <a:solidFill>
+                  <a:srgbClr val="0000FF"/>
+                </a:solidFill>
+                <a:latin typeface="Cascadia Mono" panose="020B0609020000020004" pitchFamily="49" charset="0"/>
+              </a:rPr>
+              <a:t>sty</a:t>
+            </a:r>
+            <a:r>
+              <a:rPr lang="en-US" sz="1800" dirty="0">
+                <a:solidFill>
+                  <a:srgbClr val="0000FF"/>
+                </a:solidFill>
+                <a:latin typeface="Cascadia Mono" panose="020B0609020000020004" pitchFamily="49" charset="0"/>
+              </a:rPr>
+              <a:t>le-src 'self'  'unsafe-inline';img-src 'self' https://cdn.sanity.io;script-src 'self' 'unsafe-inline’”&gt;</a:t>
+            </a:r>
+          </a:p>
+          <a:p>
+            <a:endParaRPr lang="en-US" sz="1800" dirty="0">
+              <a:solidFill>
+                <a:srgbClr val="0000FF"/>
+              </a:solidFill>
+              <a:latin typeface="Cascadia Mono" panose="020B0609020000020004" pitchFamily="49" charset="0"/>
+            </a:endParaRPr>
+          </a:p>
+          <a:p>
+            <a:r>
+              <a:rPr lang="en-US" sz="1800" dirty="0">
+                <a:solidFill>
+                  <a:srgbClr val="0000FF"/>
+                </a:solidFill>
+                <a:latin typeface="Cascadia Mono" panose="020B0609020000020004" pitchFamily="49" charset="0"/>
+              </a:rPr>
+              <a:t>Usually I set default-</a:t>
+            </a:r>
+            <a:r>
+              <a:rPr lang="en-US" sz="1800" dirty="0" err="1">
+                <a:solidFill>
+                  <a:srgbClr val="0000FF"/>
+                </a:solidFill>
+                <a:latin typeface="Cascadia Mono" panose="020B0609020000020004" pitchFamily="49" charset="0"/>
+              </a:rPr>
+              <a:t>src</a:t>
+            </a:r>
+            <a:r>
+              <a:rPr lang="en-US" sz="1800" dirty="0">
+                <a:solidFill>
+                  <a:srgbClr val="0000FF"/>
+                </a:solidFill>
+                <a:latin typeface="Cascadia Mono" panose="020B0609020000020004" pitchFamily="49" charset="0"/>
+              </a:rPr>
+              <a:t>, style-</a:t>
+            </a:r>
+            <a:r>
+              <a:rPr lang="en-US" sz="1800" dirty="0" err="1">
+                <a:solidFill>
+                  <a:srgbClr val="0000FF"/>
+                </a:solidFill>
+                <a:latin typeface="Cascadia Mono" panose="020B0609020000020004" pitchFamily="49" charset="0"/>
+              </a:rPr>
+              <a:t>src</a:t>
+            </a:r>
+            <a:r>
+              <a:rPr lang="en-US" sz="1800" dirty="0">
+                <a:solidFill>
+                  <a:srgbClr val="0000FF"/>
+                </a:solidFill>
+                <a:latin typeface="Cascadia Mono" panose="020B0609020000020004" pitchFamily="49" charset="0"/>
+              </a:rPr>
+              <a:t>, script-</a:t>
+            </a:r>
+            <a:r>
+              <a:rPr lang="en-US" sz="1800" dirty="0" err="1">
+                <a:solidFill>
+                  <a:srgbClr val="0000FF"/>
+                </a:solidFill>
+                <a:latin typeface="Cascadia Mono" panose="020B0609020000020004" pitchFamily="49" charset="0"/>
+              </a:rPr>
+              <a:t>src</a:t>
+            </a:r>
+            <a:r>
+              <a:rPr lang="en-US" sz="1800" dirty="0">
+                <a:solidFill>
+                  <a:srgbClr val="0000FF"/>
+                </a:solidFill>
+                <a:latin typeface="Cascadia Mono" panose="020B0609020000020004" pitchFamily="49" charset="0"/>
+              </a:rPr>
+              <a:t> as ‘self’ and add more later if needed</a:t>
+            </a:r>
+          </a:p>
+          <a:p>
+            <a:endParaRPr lang="en-US" sz="1800" dirty="0">
+              <a:solidFill>
+                <a:srgbClr val="0000FF"/>
+              </a:solidFill>
+              <a:latin typeface="Cascadia Mono" panose="020B0609020000020004" pitchFamily="49" charset="0"/>
+            </a:endParaRPr>
+          </a:p>
+          <a:p>
+            <a:r>
+              <a:rPr lang="en-US" sz="1800" dirty="0">
+                <a:solidFill>
+                  <a:srgbClr val="0000FF"/>
+                </a:solidFill>
+                <a:latin typeface="Cascadia Mono" panose="020B0609020000020004" pitchFamily="49" charset="0"/>
+              </a:rPr>
+              <a:t>Worth the mention </a:t>
+            </a:r>
+            <a:r>
+              <a:rPr lang="en-US" sz="1800" dirty="0" err="1">
+                <a:solidFill>
+                  <a:srgbClr val="0000FF"/>
+                </a:solidFill>
+                <a:latin typeface="Cascadia Mono" panose="020B0609020000020004" pitchFamily="49" charset="0"/>
+              </a:rPr>
+              <a:t>gtm</a:t>
+            </a:r>
+            <a:r>
+              <a:rPr lang="en-US" sz="1800" dirty="0">
+                <a:solidFill>
+                  <a:srgbClr val="0000FF"/>
+                </a:solidFill>
+                <a:latin typeface="Cascadia Mono" panose="020B0609020000020004" pitchFamily="49" charset="0"/>
+              </a:rPr>
+              <a:t> here since it opens the door for injecting 3</a:t>
+            </a:r>
+            <a:r>
+              <a:rPr lang="en-US" sz="1800" baseline="30000" dirty="0">
+                <a:solidFill>
+                  <a:srgbClr val="0000FF"/>
+                </a:solidFill>
+                <a:latin typeface="Cascadia Mono" panose="020B0609020000020004" pitchFamily="49" charset="0"/>
+              </a:rPr>
+              <a:t>rd</a:t>
+            </a:r>
+            <a:r>
+              <a:rPr lang="en-US" sz="1800" dirty="0">
+                <a:solidFill>
+                  <a:srgbClr val="0000FF"/>
+                </a:solidFill>
+                <a:latin typeface="Cascadia Mono" panose="020B0609020000020004" pitchFamily="49" charset="0"/>
+              </a:rPr>
+              <a:t> party libraries. Better we put the relevant domains when we need to inject those 3</a:t>
+            </a:r>
+            <a:r>
+              <a:rPr lang="en-US" sz="1800" baseline="30000" dirty="0">
+                <a:solidFill>
+                  <a:srgbClr val="0000FF"/>
+                </a:solidFill>
+                <a:latin typeface="Cascadia Mono" panose="020B0609020000020004" pitchFamily="49" charset="0"/>
+              </a:rPr>
+              <a:t>rd</a:t>
+            </a:r>
+            <a:r>
+              <a:rPr lang="en-US" sz="1800" dirty="0">
+                <a:solidFill>
+                  <a:srgbClr val="0000FF"/>
+                </a:solidFill>
+                <a:latin typeface="Cascadia Mono" panose="020B0609020000020004" pitchFamily="49" charset="0"/>
+              </a:rPr>
+              <a:t> party tools</a:t>
+            </a:r>
             <a:endParaRPr lang="en-US" dirty="0"/>
           </a:p>
         </p:txBody>
@@ -2388,6 +2490,121 @@
             <a:fld id="{A16CFAD1-D197-4A88-B173-A6412E995EE5}" type="slidenum">
               <a:rPr lang="en-GB" smtClean="0"/>
               <a:pPr/>
+              <a:t>8</a:t>
+            </a:fld>
+            <a:endParaRPr lang="en-GB" sz="800"/>
+          </a:p>
+        </p:txBody>
+      </p:sp>
+    </p:spTree>
+    <p:extLst>
+      <p:ext uri="{BB962C8B-B14F-4D97-AF65-F5344CB8AC3E}">
+        <p14:creationId xmlns:p14="http://schemas.microsoft.com/office/powerpoint/2010/main" val="1168469827"/>
+      </p:ext>
+    </p:extLst>
+  </p:cSld>
+  <p:clrMapOvr>
+    <a:masterClrMapping/>
+  </p:clrMapOvr>
+</p:notes>
+</file>
+
+<file path=ppt/notesSlides/notesSlide7.xml><?xml version="1.0" encoding="utf-8"?>
+<p:notes xmlns:a="http://schemas.openxmlformats.org/drawingml/2006/main" xmlns:r="http://schemas.openxmlformats.org/officeDocument/2006/relationships" xmlns:p="http://schemas.openxmlformats.org/presentationml/2006/main">
+  <p:cSld>
+    <p:spTree>
+      <p:nvGrpSpPr>
+        <p:cNvPr id="1" name=""/>
+        <p:cNvGrpSpPr/>
+        <p:nvPr/>
+      </p:nvGrpSpPr>
+      <p:grpSpPr>
+        <a:xfrm>
+          <a:off x="0" y="0"/>
+          <a:ext cx="0" cy="0"/>
+          <a:chOff x="0" y="0"/>
+          <a:chExt cx="0" cy="0"/>
+        </a:xfrm>
+      </p:grpSpPr>
+      <p:sp>
+        <p:nvSpPr>
+          <p:cNvPr id="2" name="Slide Image Placeholder 1"/>
+          <p:cNvSpPr>
+            <a:spLocks noGrp="1" noRot="1" noChangeAspect="1"/>
+          </p:cNvSpPr>
+          <p:nvPr>
+            <p:ph type="sldImg"/>
+          </p:nvPr>
+        </p:nvSpPr>
+        <p:spPr>
+          <a:xfrm>
+            <a:off x="360363" y="685800"/>
+            <a:ext cx="6137275" cy="3452813"/>
+          </a:xfrm>
+        </p:spPr>
+      </p:sp>
+      <p:sp>
+        <p:nvSpPr>
+          <p:cNvPr id="3" name="Notes Placeholder 2"/>
+          <p:cNvSpPr>
+            <a:spLocks noGrp="1"/>
+          </p:cNvSpPr>
+          <p:nvPr>
+            <p:ph type="body" idx="1"/>
+          </p:nvPr>
+        </p:nvSpPr>
+        <p:spPr/>
+        <p:txBody>
+          <a:bodyPr/>
+          <a:lstStyle/>
+          <a:p>
+            <a:r>
+              <a:rPr lang="en-US" dirty="0"/>
+              <a:t>Normal submit still works</a:t>
+            </a:r>
+          </a:p>
+          <a:p>
+            <a:r>
+              <a:rPr lang="en-US" dirty="0"/>
+              <a:t>But postman will be blocked</a:t>
+            </a:r>
+          </a:p>
+          <a:p>
+            <a:endParaRPr lang="en-US" dirty="0"/>
+          </a:p>
+          <a:p>
+            <a:r>
+              <a:rPr lang="en-US" dirty="0"/>
+              <a:t>Use: </a:t>
+            </a:r>
+          </a:p>
+          <a:p>
+            <a:r>
+              <a:rPr lang="en-GB" dirty="0"/>
+              <a:t>reCAPTCHA</a:t>
+            </a:r>
+            <a:endParaRPr lang="en-US" dirty="0"/>
+          </a:p>
+        </p:txBody>
+      </p:sp>
+      <p:sp>
+        <p:nvSpPr>
+          <p:cNvPr id="4" name="Slide Number Placeholder 3"/>
+          <p:cNvSpPr>
+            <a:spLocks noGrp="1"/>
+          </p:cNvSpPr>
+          <p:nvPr>
+            <p:ph type="sldNum" sz="quarter" idx="5"/>
+          </p:nvPr>
+        </p:nvSpPr>
+        <p:spPr/>
+        <p:txBody>
+          <a:bodyPr/>
+          <a:lstStyle/>
+          <a:p>
+            <a:fld id="{A16CFAD1-D197-4A88-B173-A6412E995EE5}" type="slidenum">
+              <a:rPr lang="en-GB" smtClean="0"/>
+              <a:pPr/>
               <a:t>9</a:t>
             </a:fld>
             <a:endParaRPr lang="en-GB" sz="800"/>
@@ -2407,7 +2624,7 @@
 </p:notes>
 </file>
 
-<file path=ppt/notesSlides/notesSlide7.xml><?xml version="1.0" encoding="utf-8"?>
+<file path=ppt/notesSlides/notesSlide8.xml><?xml version="1.0" encoding="utf-8"?>
 <p:notes xmlns:a="http://schemas.openxmlformats.org/drawingml/2006/main" xmlns:r="http://schemas.openxmlformats.org/officeDocument/2006/relationships" xmlns:p="http://schemas.openxmlformats.org/presentationml/2006/main">
   <p:cSld>
     <p:spTree>
@@ -9542,7 +9759,7 @@
             <a:fld id="{727BBD34-DD59-49E1-9776-D67684F06344}" type="datetime4">
               <a:rPr lang="en-GB" smtClean="0"/>
               <a:pPr/>
-              <a:t>04 December 2023</a:t>
+              <a:t>12 December 2023</a:t>
             </a:fld>
             <a:endParaRPr lang="en-GB" dirty="0"/>
           </a:p>
@@ -10835,7 +11052,7 @@
             <a:fld id="{727BBD34-DD59-49E1-9776-D67684F06344}" type="datetime4">
               <a:rPr lang="en-GB" smtClean="0"/>
               <a:pPr/>
-              <a:t>04 December 2023</a:t>
+              <a:t>12 December 2023</a:t>
             </a:fld>
             <a:endParaRPr lang="en-GB" dirty="0"/>
           </a:p>
@@ -26052,7 +26269,7 @@
           <a:p>
             <a:fld id="{6F52A3B9-C46E-47C2-A1FB-F5434525BDF4}" type="datetime4">
               <a:rPr lang="en-GB" smtClean="0"/>
-              <a:t>04 December 2023</a:t>
+              <a:t>12 December 2023</a:t>
             </a:fld>
             <a:endParaRPr lang="en-GB" dirty="0"/>
           </a:p>
@@ -38830,16 +39047,6 @@
           <a:bodyPr/>
           <a:lstStyle/>
           <a:p>
-            <a:r>
-              <a:rPr lang="en-US" b="0" i="0" dirty="0">
-                <a:solidFill>
-                  <a:srgbClr val="374151"/>
-                </a:solidFill>
-                <a:effectLst/>
-                <a:latin typeface="Söhne"/>
-              </a:rPr>
-              <a:t>Understanding Web Security</a:t>
-            </a:r>
             <a:endParaRPr lang="en-GB" dirty="0"/>
           </a:p>
         </p:txBody>
@@ -39120,7 +39327,7 @@
           <a:p>
             <a:r>
               <a:rPr lang="en-US" dirty="0"/>
-              <a:t>Definition of </a:t>
+              <a:t>What is </a:t>
             </a:r>
             <a:r>
               <a:rPr lang="en-US" b="0" i="0" dirty="0">
@@ -40147,7 +40354,7 @@
         </p:blipFill>
         <p:spPr>
           <a:xfrm>
-            <a:off x="680507" y="3886200"/>
+            <a:off x="673200" y="1600200"/>
             <a:ext cx="8505825" cy="2181225"/>
           </a:xfrm>
         </p:spPr>
